--- a/Documents/Lecture outlines/Lecture 4/Lecture 4 Emergencies.pptx
+++ b/Documents/Lecture outlines/Lecture 4/Lecture 4 Emergencies.pptx
@@ -6,11 +6,19 @@
   </p:sldMasterIdLst>
   <p:sldIdLst>
     <p:sldId id="256" r:id="rId2"/>
-    <p:sldId id="257" r:id="rId3"/>
-    <p:sldId id="258" r:id="rId4"/>
-    <p:sldId id="259" r:id="rId5"/>
-    <p:sldId id="260" r:id="rId6"/>
-    <p:sldId id="261" r:id="rId7"/>
+    <p:sldId id="262" r:id="rId3"/>
+    <p:sldId id="257" r:id="rId4"/>
+    <p:sldId id="258" r:id="rId5"/>
+    <p:sldId id="259" r:id="rId6"/>
+    <p:sldId id="266" r:id="rId7"/>
+    <p:sldId id="263" r:id="rId8"/>
+    <p:sldId id="267" r:id="rId9"/>
+    <p:sldId id="264" r:id="rId10"/>
+    <p:sldId id="268" r:id="rId11"/>
+    <p:sldId id="265" r:id="rId12"/>
+    <p:sldId id="269" r:id="rId13"/>
+    <p:sldId id="260" r:id="rId14"/>
+    <p:sldId id="261" r:id="rId15"/>
   </p:sldIdLst>
   <p:sldSz cx="12192000" cy="6858000"/>
   <p:notesSz cx="6858000" cy="9144000"/>
@@ -109,6 +117,11 @@
       </a:defRPr>
     </a:lvl9pPr>
   </p:defaultTextStyle>
+  <p:extLst>
+    <p:ext uri="{EFAFB233-063F-42B5-8137-9DF3F51BA10A}">
+      <p15:sldGuideLst xmlns:p15="http://schemas.microsoft.com/office/powerpoint/2012/main"/>
+    </p:ext>
+  </p:extLst>
 </p:presentation>
 </file>
 
@@ -261,7 +274,7 @@
           <a:p>
             <a:fld id="{B44553DC-1AE2-4E63-AFBB-6E7BB2E0B729}" type="datetimeFigureOut">
               <a:rPr lang="en-GB" smtClean="0"/>
-              <a:t>27/11/2019</a:t>
+              <a:t>02/12/2019</a:t>
             </a:fld>
             <a:endParaRPr lang="en-GB"/>
           </a:p>
@@ -461,7 +474,7 @@
           <a:p>
             <a:fld id="{B44553DC-1AE2-4E63-AFBB-6E7BB2E0B729}" type="datetimeFigureOut">
               <a:rPr lang="en-GB" smtClean="0"/>
-              <a:t>27/11/2019</a:t>
+              <a:t>02/12/2019</a:t>
             </a:fld>
             <a:endParaRPr lang="en-GB"/>
           </a:p>
@@ -671,7 +684,7 @@
           <a:p>
             <a:fld id="{B44553DC-1AE2-4E63-AFBB-6E7BB2E0B729}" type="datetimeFigureOut">
               <a:rPr lang="en-GB" smtClean="0"/>
-              <a:t>27/11/2019</a:t>
+              <a:t>02/12/2019</a:t>
             </a:fld>
             <a:endParaRPr lang="en-GB"/>
           </a:p>
@@ -871,7 +884,7 @@
           <a:p>
             <a:fld id="{B44553DC-1AE2-4E63-AFBB-6E7BB2E0B729}" type="datetimeFigureOut">
               <a:rPr lang="en-GB" smtClean="0"/>
-              <a:t>27/11/2019</a:t>
+              <a:t>02/12/2019</a:t>
             </a:fld>
             <a:endParaRPr lang="en-GB"/>
           </a:p>
@@ -1147,7 +1160,7 @@
           <a:p>
             <a:fld id="{B44553DC-1AE2-4E63-AFBB-6E7BB2E0B729}" type="datetimeFigureOut">
               <a:rPr lang="en-GB" smtClean="0"/>
-              <a:t>27/11/2019</a:t>
+              <a:t>02/12/2019</a:t>
             </a:fld>
             <a:endParaRPr lang="en-GB"/>
           </a:p>
@@ -1415,7 +1428,7 @@
           <a:p>
             <a:fld id="{B44553DC-1AE2-4E63-AFBB-6E7BB2E0B729}" type="datetimeFigureOut">
               <a:rPr lang="en-GB" smtClean="0"/>
-              <a:t>27/11/2019</a:t>
+              <a:t>02/12/2019</a:t>
             </a:fld>
             <a:endParaRPr lang="en-GB"/>
           </a:p>
@@ -1830,7 +1843,7 @@
           <a:p>
             <a:fld id="{B44553DC-1AE2-4E63-AFBB-6E7BB2E0B729}" type="datetimeFigureOut">
               <a:rPr lang="en-GB" smtClean="0"/>
-              <a:t>27/11/2019</a:t>
+              <a:t>02/12/2019</a:t>
             </a:fld>
             <a:endParaRPr lang="en-GB"/>
           </a:p>
@@ -1972,7 +1985,7 @@
           <a:p>
             <a:fld id="{B44553DC-1AE2-4E63-AFBB-6E7BB2E0B729}" type="datetimeFigureOut">
               <a:rPr lang="en-GB" smtClean="0"/>
-              <a:t>27/11/2019</a:t>
+              <a:t>02/12/2019</a:t>
             </a:fld>
             <a:endParaRPr lang="en-GB"/>
           </a:p>
@@ -2085,7 +2098,7 @@
           <a:p>
             <a:fld id="{B44553DC-1AE2-4E63-AFBB-6E7BB2E0B729}" type="datetimeFigureOut">
               <a:rPr lang="en-GB" smtClean="0"/>
-              <a:t>27/11/2019</a:t>
+              <a:t>02/12/2019</a:t>
             </a:fld>
             <a:endParaRPr lang="en-GB"/>
           </a:p>
@@ -2398,7 +2411,7 @@
           <a:p>
             <a:fld id="{B44553DC-1AE2-4E63-AFBB-6E7BB2E0B729}" type="datetimeFigureOut">
               <a:rPr lang="en-GB" smtClean="0"/>
-              <a:t>27/11/2019</a:t>
+              <a:t>02/12/2019</a:t>
             </a:fld>
             <a:endParaRPr lang="en-GB"/>
           </a:p>
@@ -2687,7 +2700,7 @@
           <a:p>
             <a:fld id="{B44553DC-1AE2-4E63-AFBB-6E7BB2E0B729}" type="datetimeFigureOut">
               <a:rPr lang="en-GB" smtClean="0"/>
-              <a:t>27/11/2019</a:t>
+              <a:t>02/12/2019</a:t>
             </a:fld>
             <a:endParaRPr lang="en-GB"/>
           </a:p>
@@ -2764,9 +2777,39 @@
 <p:sldMaster xmlns:a="http://schemas.openxmlformats.org/drawingml/2006/main" xmlns:r="http://schemas.openxmlformats.org/officeDocument/2006/relationships" xmlns:p="http://schemas.openxmlformats.org/presentationml/2006/main">
   <p:cSld>
     <p:bg>
-      <p:bgRef idx="1001">
-        <a:schemeClr val="bg1"/>
-      </p:bgRef>
+      <p:bgPr>
+        <a:gradFill flip="none" rotWithShape="1">
+          <a:gsLst>
+            <a:gs pos="0">
+              <a:schemeClr val="accent1">
+                <a:lumMod val="5000"/>
+                <a:lumOff val="95000"/>
+              </a:schemeClr>
+            </a:gs>
+            <a:gs pos="74000">
+              <a:schemeClr val="accent1">
+                <a:lumMod val="45000"/>
+                <a:lumOff val="55000"/>
+              </a:schemeClr>
+            </a:gs>
+            <a:gs pos="83000">
+              <a:schemeClr val="accent1">
+                <a:lumMod val="45000"/>
+                <a:lumOff val="55000"/>
+              </a:schemeClr>
+            </a:gs>
+            <a:gs pos="100000">
+              <a:schemeClr val="accent1">
+                <a:lumMod val="30000"/>
+                <a:lumOff val="70000"/>
+              </a:schemeClr>
+            </a:gs>
+          </a:gsLst>
+          <a:lin ang="5400000" scaled="1"/>
+          <a:tileRect/>
+        </a:gradFill>
+        <a:effectLst/>
+      </p:bgPr>
     </p:bg>
     <p:spTree>
       <p:nvGrpSpPr>
@@ -2930,7 +2973,7 @@
           <a:p>
             <a:fld id="{B44553DC-1AE2-4E63-AFBB-6E7BB2E0B729}" type="datetimeFigureOut">
               <a:rPr lang="en-GB" smtClean="0"/>
-              <a:t>27/11/2019</a:t>
+              <a:t>02/12/2019</a:t>
             </a:fld>
             <a:endParaRPr lang="en-GB"/>
           </a:p>
@@ -3416,6 +3459,549 @@
 </p:sld>
 </file>
 
+<file path=ppt/slides/slide10.xml><?xml version="1.0" encoding="utf-8"?>
+<p:sld xmlns:a="http://schemas.openxmlformats.org/drawingml/2006/main" xmlns:r="http://schemas.openxmlformats.org/officeDocument/2006/relationships" xmlns:p="http://schemas.openxmlformats.org/presentationml/2006/main">
+  <p:cSld>
+    <p:spTree>
+      <p:nvGrpSpPr>
+        <p:cNvPr id="1" name=""/>
+        <p:cNvGrpSpPr/>
+        <p:nvPr/>
+      </p:nvGrpSpPr>
+      <p:grpSpPr>
+        <a:xfrm>
+          <a:off x="0" y="0"/>
+          <a:ext cx="0" cy="0"/>
+          <a:chOff x="0" y="0"/>
+          <a:chExt cx="0" cy="0"/>
+        </a:xfrm>
+      </p:grpSpPr>
+      <p:sp>
+        <p:nvSpPr>
+          <p:cNvPr id="2" name="Title 1">
+            <a:extLst>
+              <a:ext uri="{FF2B5EF4-FFF2-40B4-BE49-F238E27FC236}">
+                <a16:creationId xmlns:a16="http://schemas.microsoft.com/office/drawing/2014/main" id="{83AB6ED6-9E2F-4F2B-BD70-D5AAF2ED02EC}"/>
+              </a:ext>
+            </a:extLst>
+          </p:cNvPr>
+          <p:cNvSpPr>
+            <a:spLocks noGrp="1"/>
+          </p:cNvSpPr>
+          <p:nvPr>
+            <p:ph type="title"/>
+          </p:nvPr>
+        </p:nvSpPr>
+        <p:spPr/>
+        <p:txBody>
+          <a:bodyPr/>
+          <a:lstStyle/>
+          <a:p>
+            <a:r>
+              <a:rPr lang="en-GB" dirty="0"/>
+              <a:t>What would you do?</a:t>
+            </a:r>
+          </a:p>
+        </p:txBody>
+      </p:sp>
+      <p:sp>
+        <p:nvSpPr>
+          <p:cNvPr id="3" name="Content Placeholder 2">
+            <a:extLst>
+              <a:ext uri="{FF2B5EF4-FFF2-40B4-BE49-F238E27FC236}">
+                <a16:creationId xmlns:a16="http://schemas.microsoft.com/office/drawing/2014/main" id="{6EFEA03C-042C-4531-8E5F-7A4643335EC5}"/>
+              </a:ext>
+            </a:extLst>
+          </p:cNvPr>
+          <p:cNvSpPr>
+            <a:spLocks noGrp="1"/>
+          </p:cNvSpPr>
+          <p:nvPr>
+            <p:ph idx="1"/>
+          </p:nvPr>
+        </p:nvSpPr>
+        <p:spPr/>
+        <p:txBody>
+          <a:bodyPr/>
+          <a:lstStyle/>
+          <a:p>
+            <a:r>
+              <a:rPr lang="en-GB" dirty="0"/>
+              <a:t>You are on the ground floor, and you see people running from the staircase.</a:t>
+            </a:r>
+          </a:p>
+          <a:p>
+            <a:pPr lvl="1"/>
+            <a:r>
+              <a:rPr lang="en-GB" dirty="0"/>
+              <a:t>Try to evacuate?</a:t>
+            </a:r>
+          </a:p>
+          <a:p>
+            <a:pPr lvl="1"/>
+            <a:r>
+              <a:rPr lang="en-GB" dirty="0"/>
+              <a:t>Try to move up the building?</a:t>
+            </a:r>
+          </a:p>
+          <a:p>
+            <a:pPr lvl="1"/>
+            <a:r>
+              <a:rPr lang="en-GB" dirty="0"/>
+              <a:t>Stay put?</a:t>
+            </a:r>
+          </a:p>
+          <a:p>
+            <a:endParaRPr lang="en-GB" dirty="0"/>
+          </a:p>
+          <a:p>
+            <a:endParaRPr lang="en-GB" dirty="0"/>
+          </a:p>
+        </p:txBody>
+      </p:sp>
+    </p:spTree>
+    <p:extLst>
+      <p:ext uri="{BB962C8B-B14F-4D97-AF65-F5344CB8AC3E}">
+        <p14:creationId xmlns:p14="http://schemas.microsoft.com/office/powerpoint/2010/main" val="2803552662"/>
+      </p:ext>
+    </p:extLst>
+  </p:cSld>
+  <p:clrMapOvr>
+    <a:masterClrMapping/>
+  </p:clrMapOvr>
+</p:sld>
+</file>
+
+<file path=ppt/slides/slide11.xml><?xml version="1.0" encoding="utf-8"?>
+<p:sld xmlns:a="http://schemas.openxmlformats.org/drawingml/2006/main" xmlns:r="http://schemas.openxmlformats.org/officeDocument/2006/relationships" xmlns:p="http://schemas.openxmlformats.org/presentationml/2006/main">
+  <p:cSld>
+    <p:spTree>
+      <p:nvGrpSpPr>
+        <p:cNvPr id="1" name=""/>
+        <p:cNvGrpSpPr/>
+        <p:nvPr/>
+      </p:nvGrpSpPr>
+      <p:grpSpPr>
+        <a:xfrm>
+          <a:off x="0" y="0"/>
+          <a:ext cx="0" cy="0"/>
+          <a:chOff x="0" y="0"/>
+          <a:chExt cx="0" cy="0"/>
+        </a:xfrm>
+      </p:grpSpPr>
+      <p:sp>
+        <p:nvSpPr>
+          <p:cNvPr id="2" name="Title 1">
+            <a:extLst>
+              <a:ext uri="{FF2B5EF4-FFF2-40B4-BE49-F238E27FC236}">
+                <a16:creationId xmlns:a16="http://schemas.microsoft.com/office/drawing/2014/main" id="{83AB6ED6-9E2F-4F2B-BD70-D5AAF2ED02EC}"/>
+              </a:ext>
+            </a:extLst>
+          </p:cNvPr>
+          <p:cNvSpPr>
+            <a:spLocks noGrp="1"/>
+          </p:cNvSpPr>
+          <p:nvPr>
+            <p:ph type="title"/>
+          </p:nvPr>
+        </p:nvSpPr>
+        <p:spPr/>
+        <p:txBody>
+          <a:bodyPr/>
+          <a:lstStyle/>
+          <a:p>
+            <a:r>
+              <a:rPr lang="en-GB" dirty="0"/>
+              <a:t>What would you do?</a:t>
+            </a:r>
+          </a:p>
+        </p:txBody>
+      </p:sp>
+      <p:sp>
+        <p:nvSpPr>
+          <p:cNvPr id="3" name="Content Placeholder 2">
+            <a:extLst>
+              <a:ext uri="{FF2B5EF4-FFF2-40B4-BE49-F238E27FC236}">
+                <a16:creationId xmlns:a16="http://schemas.microsoft.com/office/drawing/2014/main" id="{6EFEA03C-042C-4531-8E5F-7A4643335EC5}"/>
+              </a:ext>
+            </a:extLst>
+          </p:cNvPr>
+          <p:cNvSpPr>
+            <a:spLocks noGrp="1"/>
+          </p:cNvSpPr>
+          <p:nvPr>
+            <p:ph idx="1"/>
+          </p:nvPr>
+        </p:nvSpPr>
+        <p:spPr/>
+        <p:txBody>
+          <a:bodyPr/>
+          <a:lstStyle/>
+          <a:p>
+            <a:r>
+              <a:rPr lang="en-GB" dirty="0"/>
+              <a:t>What does everyone else do?</a:t>
+            </a:r>
+          </a:p>
+        </p:txBody>
+      </p:sp>
+    </p:spTree>
+    <p:extLst>
+      <p:ext uri="{BB962C8B-B14F-4D97-AF65-F5344CB8AC3E}">
+        <p14:creationId xmlns:p14="http://schemas.microsoft.com/office/powerpoint/2010/main" val="3731115311"/>
+      </p:ext>
+    </p:extLst>
+  </p:cSld>
+  <p:clrMapOvr>
+    <a:masterClrMapping/>
+  </p:clrMapOvr>
+</p:sld>
+</file>
+
+<file path=ppt/slides/slide12.xml><?xml version="1.0" encoding="utf-8"?>
+<p:sld xmlns:a="http://schemas.openxmlformats.org/drawingml/2006/main" xmlns:r="http://schemas.openxmlformats.org/officeDocument/2006/relationships" xmlns:p="http://schemas.openxmlformats.org/presentationml/2006/main">
+  <p:cSld>
+    <p:spTree>
+      <p:nvGrpSpPr>
+        <p:cNvPr id="1" name=""/>
+        <p:cNvGrpSpPr/>
+        <p:nvPr/>
+      </p:nvGrpSpPr>
+      <p:grpSpPr>
+        <a:xfrm>
+          <a:off x="0" y="0"/>
+          <a:ext cx="0" cy="0"/>
+          <a:chOff x="0" y="0"/>
+          <a:chExt cx="0" cy="0"/>
+        </a:xfrm>
+      </p:grpSpPr>
+      <p:sp>
+        <p:nvSpPr>
+          <p:cNvPr id="2" name="Title 1">
+            <a:extLst>
+              <a:ext uri="{FF2B5EF4-FFF2-40B4-BE49-F238E27FC236}">
+                <a16:creationId xmlns:a16="http://schemas.microsoft.com/office/drawing/2014/main" id="{83AB6ED6-9E2F-4F2B-BD70-D5AAF2ED02EC}"/>
+              </a:ext>
+            </a:extLst>
+          </p:cNvPr>
+          <p:cNvSpPr>
+            <a:spLocks noGrp="1"/>
+          </p:cNvSpPr>
+          <p:nvPr>
+            <p:ph type="title"/>
+          </p:nvPr>
+        </p:nvSpPr>
+        <p:spPr/>
+        <p:txBody>
+          <a:bodyPr/>
+          <a:lstStyle/>
+          <a:p>
+            <a:r>
+              <a:rPr lang="en-GB" dirty="0"/>
+              <a:t>What would you do?</a:t>
+            </a:r>
+          </a:p>
+        </p:txBody>
+      </p:sp>
+      <p:sp>
+        <p:nvSpPr>
+          <p:cNvPr id="3" name="Content Placeholder 2">
+            <a:extLst>
+              <a:ext uri="{FF2B5EF4-FFF2-40B4-BE49-F238E27FC236}">
+                <a16:creationId xmlns:a16="http://schemas.microsoft.com/office/drawing/2014/main" id="{6EFEA03C-042C-4531-8E5F-7A4643335EC5}"/>
+              </a:ext>
+            </a:extLst>
+          </p:cNvPr>
+          <p:cNvSpPr>
+            <a:spLocks noGrp="1"/>
+          </p:cNvSpPr>
+          <p:nvPr>
+            <p:ph idx="1"/>
+          </p:nvPr>
+        </p:nvSpPr>
+        <p:spPr/>
+        <p:txBody>
+          <a:bodyPr/>
+          <a:lstStyle/>
+          <a:p>
+            <a:r>
+              <a:rPr lang="en-GB" dirty="0"/>
+              <a:t>What does everyone else do?</a:t>
+            </a:r>
+          </a:p>
+          <a:p>
+            <a:endParaRPr lang="en-GB" dirty="0"/>
+          </a:p>
+          <a:p>
+            <a:pPr lvl="1"/>
+            <a:r>
+              <a:rPr lang="en-GB" dirty="0"/>
+              <a:t>Do they panic?</a:t>
+            </a:r>
+          </a:p>
+          <a:p>
+            <a:pPr lvl="1"/>
+            <a:r>
+              <a:rPr lang="en-GB" dirty="0"/>
+              <a:t>Do they run?</a:t>
+            </a:r>
+          </a:p>
+          <a:p>
+            <a:pPr lvl="1"/>
+            <a:r>
+              <a:rPr lang="en-GB" dirty="0"/>
+              <a:t>Do they group together?</a:t>
+            </a:r>
+          </a:p>
+          <a:p>
+            <a:endParaRPr lang="en-GB" dirty="0"/>
+          </a:p>
+        </p:txBody>
+      </p:sp>
+    </p:spTree>
+    <p:extLst>
+      <p:ext uri="{BB962C8B-B14F-4D97-AF65-F5344CB8AC3E}">
+        <p14:creationId xmlns:p14="http://schemas.microsoft.com/office/powerpoint/2010/main" val="187253441"/>
+      </p:ext>
+    </p:extLst>
+  </p:cSld>
+  <p:clrMapOvr>
+    <a:masterClrMapping/>
+  </p:clrMapOvr>
+</p:sld>
+</file>
+
+<file path=ppt/slides/slide13.xml><?xml version="1.0" encoding="utf-8"?>
+<p:sld xmlns:a="http://schemas.openxmlformats.org/drawingml/2006/main" xmlns:r="http://schemas.openxmlformats.org/officeDocument/2006/relationships" xmlns:p="http://schemas.openxmlformats.org/presentationml/2006/main">
+  <p:cSld>
+    <p:spTree>
+      <p:nvGrpSpPr>
+        <p:cNvPr id="1" name=""/>
+        <p:cNvGrpSpPr/>
+        <p:nvPr/>
+      </p:nvGrpSpPr>
+      <p:grpSpPr>
+        <a:xfrm>
+          <a:off x="0" y="0"/>
+          <a:ext cx="0" cy="0"/>
+          <a:chOff x="0" y="0"/>
+          <a:chExt cx="0" cy="0"/>
+        </a:xfrm>
+      </p:grpSpPr>
+      <p:sp>
+        <p:nvSpPr>
+          <p:cNvPr id="2" name="Title 1">
+            <a:extLst>
+              <a:ext uri="{FF2B5EF4-FFF2-40B4-BE49-F238E27FC236}">
+                <a16:creationId xmlns:a16="http://schemas.microsoft.com/office/drawing/2014/main" id="{3BF9855A-5146-4041-8162-6C2D5E1B5BFA}"/>
+              </a:ext>
+            </a:extLst>
+          </p:cNvPr>
+          <p:cNvSpPr>
+            <a:spLocks noGrp="1"/>
+          </p:cNvSpPr>
+          <p:nvPr>
+            <p:ph type="title"/>
+          </p:nvPr>
+        </p:nvSpPr>
+        <p:spPr/>
+        <p:txBody>
+          <a:bodyPr/>
+          <a:lstStyle/>
+          <a:p>
+            <a:r>
+              <a:rPr lang="en-GB" dirty="0"/>
+              <a:t>Modelling: Micro scale</a:t>
+            </a:r>
+          </a:p>
+        </p:txBody>
+      </p:sp>
+      <p:sp>
+        <p:nvSpPr>
+          <p:cNvPr id="3" name="Content Placeholder 2">
+            <a:extLst>
+              <a:ext uri="{FF2B5EF4-FFF2-40B4-BE49-F238E27FC236}">
+                <a16:creationId xmlns:a16="http://schemas.microsoft.com/office/drawing/2014/main" id="{02C1708B-2F95-4769-B318-31FB4777CD1F}"/>
+              </a:ext>
+            </a:extLst>
+          </p:cNvPr>
+          <p:cNvSpPr>
+            <a:spLocks noGrp="1"/>
+          </p:cNvSpPr>
+          <p:nvPr>
+            <p:ph idx="1"/>
+          </p:nvPr>
+        </p:nvSpPr>
+        <p:spPr/>
+        <p:txBody>
+          <a:bodyPr>
+            <a:normAutofit lnSpcReduction="10000"/>
+          </a:bodyPr>
+          <a:lstStyle/>
+          <a:p>
+            <a:r>
+              <a:rPr lang="en-GB" dirty="0"/>
+              <a:t>Data on these types of decisions, coupled with population and building characteristics allow us to model what happens in individual buildings.</a:t>
+            </a:r>
+          </a:p>
+          <a:p>
+            <a:endParaRPr lang="en-GB" dirty="0"/>
+          </a:p>
+          <a:p>
+            <a:r>
+              <a:rPr lang="en-GB" dirty="0"/>
+              <a:t>Quantify how safe each design is, based on specified metrics.</a:t>
+            </a:r>
+          </a:p>
+          <a:p>
+            <a:endParaRPr lang="en-GB" dirty="0"/>
+          </a:p>
+          <a:p>
+            <a:r>
+              <a:rPr lang="en-GB" dirty="0"/>
+              <a:t>Predict how each group of people will move through buildings, and the time taken to do that.</a:t>
+            </a:r>
+          </a:p>
+          <a:p>
+            <a:endParaRPr lang="en-GB" dirty="0"/>
+          </a:p>
+          <a:p>
+            <a:r>
+              <a:rPr lang="en-GB" dirty="0"/>
+              <a:t>Takes a lot of time, and is not easily performed for macro scales.</a:t>
+            </a:r>
+          </a:p>
+          <a:p>
+            <a:endParaRPr lang="en-GB" dirty="0"/>
+          </a:p>
+        </p:txBody>
+      </p:sp>
+    </p:spTree>
+    <p:extLst>
+      <p:ext uri="{BB962C8B-B14F-4D97-AF65-F5344CB8AC3E}">
+        <p14:creationId xmlns:p14="http://schemas.microsoft.com/office/powerpoint/2010/main" val="246217811"/>
+      </p:ext>
+    </p:extLst>
+  </p:cSld>
+  <p:clrMapOvr>
+    <a:masterClrMapping/>
+  </p:clrMapOvr>
+</p:sld>
+</file>
+
+<file path=ppt/slides/slide14.xml><?xml version="1.0" encoding="utf-8"?>
+<p:sld xmlns:a="http://schemas.openxmlformats.org/drawingml/2006/main" xmlns:r="http://schemas.openxmlformats.org/officeDocument/2006/relationships" xmlns:p="http://schemas.openxmlformats.org/presentationml/2006/main">
+  <p:cSld>
+    <p:spTree>
+      <p:nvGrpSpPr>
+        <p:cNvPr id="1" name=""/>
+        <p:cNvGrpSpPr/>
+        <p:nvPr/>
+      </p:nvGrpSpPr>
+      <p:grpSpPr>
+        <a:xfrm>
+          <a:off x="0" y="0"/>
+          <a:ext cx="0" cy="0"/>
+          <a:chOff x="0" y="0"/>
+          <a:chExt cx="0" cy="0"/>
+        </a:xfrm>
+      </p:grpSpPr>
+      <p:sp>
+        <p:nvSpPr>
+          <p:cNvPr id="2" name="Title 1">
+            <a:extLst>
+              <a:ext uri="{FF2B5EF4-FFF2-40B4-BE49-F238E27FC236}">
+                <a16:creationId xmlns:a16="http://schemas.microsoft.com/office/drawing/2014/main" id="{0CBFE05B-8803-47AB-8450-DACB7E403BEC}"/>
+              </a:ext>
+            </a:extLst>
+          </p:cNvPr>
+          <p:cNvSpPr>
+            <a:spLocks noGrp="1"/>
+          </p:cNvSpPr>
+          <p:nvPr>
+            <p:ph type="title"/>
+          </p:nvPr>
+        </p:nvSpPr>
+        <p:spPr/>
+        <p:txBody>
+          <a:bodyPr/>
+          <a:lstStyle/>
+          <a:p>
+            <a:r>
+              <a:rPr lang="en-GB" dirty="0"/>
+              <a:t>Modelling: Macro scale</a:t>
+            </a:r>
+          </a:p>
+        </p:txBody>
+      </p:sp>
+      <p:sp>
+        <p:nvSpPr>
+          <p:cNvPr id="3" name="Content Placeholder 2">
+            <a:extLst>
+              <a:ext uri="{FF2B5EF4-FFF2-40B4-BE49-F238E27FC236}">
+                <a16:creationId xmlns:a16="http://schemas.microsoft.com/office/drawing/2014/main" id="{5900EC85-1450-4E98-B708-9A896C832A20}"/>
+              </a:ext>
+            </a:extLst>
+          </p:cNvPr>
+          <p:cNvSpPr>
+            <a:spLocks noGrp="1"/>
+          </p:cNvSpPr>
+          <p:nvPr>
+            <p:ph idx="1"/>
+          </p:nvPr>
+        </p:nvSpPr>
+        <p:spPr/>
+        <p:txBody>
+          <a:bodyPr/>
+          <a:lstStyle/>
+          <a:p>
+            <a:r>
+              <a:rPr lang="en-GB" dirty="0"/>
+              <a:t>Relevant for typical natural emergencies.</a:t>
+            </a:r>
+          </a:p>
+          <a:p>
+            <a:endParaRPr lang="en-GB" dirty="0"/>
+          </a:p>
+          <a:p>
+            <a:r>
+              <a:rPr lang="en-GB" dirty="0"/>
+              <a:t>Micro scale more relevant for man-made disasters.</a:t>
+            </a:r>
+          </a:p>
+          <a:p>
+            <a:endParaRPr lang="en-GB" dirty="0"/>
+          </a:p>
+          <a:p>
+            <a:r>
+              <a:rPr lang="en-GB" dirty="0"/>
+              <a:t>Consider city-scale evacuations and routing.</a:t>
+            </a:r>
+          </a:p>
+          <a:p>
+            <a:endParaRPr lang="en-GB" dirty="0"/>
+          </a:p>
+          <a:p>
+            <a:r>
+              <a:rPr lang="en-GB" dirty="0"/>
+              <a:t>Can consider multi-modal travel (e.g. foot, car, bike, train)</a:t>
+            </a:r>
+          </a:p>
+        </p:txBody>
+      </p:sp>
+    </p:spTree>
+    <p:extLst>
+      <p:ext uri="{BB962C8B-B14F-4D97-AF65-F5344CB8AC3E}">
+        <p14:creationId xmlns:p14="http://schemas.microsoft.com/office/powerpoint/2010/main" val="2543760675"/>
+      </p:ext>
+    </p:extLst>
+  </p:cSld>
+  <p:clrMapOvr>
+    <a:masterClrMapping/>
+  </p:clrMapOvr>
+</p:sld>
+</file>
+
 <file path=ppt/slides/slide2.xml><?xml version="1.0" encoding="utf-8"?>
 <p:sld xmlns:a="http://schemas.openxmlformats.org/drawingml/2006/main" xmlns:r="http://schemas.openxmlformats.org/officeDocument/2006/relationships" xmlns:p="http://schemas.openxmlformats.org/presentationml/2006/main">
   <p:cSld>
@@ -3438,7 +4024,7 @@
           <p:cNvPr id="2" name="Title 1">
             <a:extLst>
               <a:ext uri="{FF2B5EF4-FFF2-40B4-BE49-F238E27FC236}">
-                <a16:creationId xmlns:a16="http://schemas.microsoft.com/office/drawing/2014/main" id="{274F18A2-6F8B-4658-984B-B1C70F016DAB}"/>
+                <a16:creationId xmlns:a16="http://schemas.microsoft.com/office/drawing/2014/main" id="{EACCCF6A-A8AB-4C0A-8DA4-73BFC2CC76BD}"/>
               </a:ext>
             </a:extLst>
           </p:cNvPr>
@@ -3456,7 +4042,7 @@
           <a:p>
             <a:r>
               <a:rPr lang="en-GB" dirty="0"/>
-              <a:t>Natural disasters</a:t>
+              <a:t>Lecture 4 outline</a:t>
             </a:r>
           </a:p>
         </p:txBody>
@@ -3466,7 +4052,7 @@
           <p:cNvPr id="3" name="Content Placeholder 2">
             <a:extLst>
               <a:ext uri="{FF2B5EF4-FFF2-40B4-BE49-F238E27FC236}">
-                <a16:creationId xmlns:a16="http://schemas.microsoft.com/office/drawing/2014/main" id="{A7982056-9D3E-4668-A4B5-E0223423C6D8}"/>
+                <a16:creationId xmlns:a16="http://schemas.microsoft.com/office/drawing/2014/main" id="{FD514FB2-D39D-46F6-9417-3F9D1DF25F4D}"/>
               </a:ext>
             </a:extLst>
           </p:cNvPr>
@@ -3484,42 +4070,42 @@
           <a:p>
             <a:r>
               <a:rPr lang="en-GB" dirty="0"/>
-              <a:t>Floods </a:t>
-            </a:r>
-          </a:p>
-          <a:p>
-            <a:r>
-              <a:rPr lang="en-GB" dirty="0"/>
-              <a:t>Fires </a:t>
-            </a:r>
-          </a:p>
-          <a:p>
-            <a:r>
-              <a:rPr lang="en-GB" dirty="0"/>
-              <a:t>Hurricanes</a:t>
+              <a:t>The importance of data (~10mins)</a:t>
+            </a:r>
+          </a:p>
+          <a:p>
+            <a:r>
+              <a:rPr lang="en-GB" b="1" dirty="0"/>
+              <a:t>Emergencies (~10mins)</a:t>
+            </a:r>
+          </a:p>
+          <a:p>
+            <a:r>
+              <a:rPr lang="en-GB" dirty="0"/>
+              <a:t>Emergency example (~10mins)</a:t>
+            </a:r>
+          </a:p>
+          <a:p>
+            <a:r>
+              <a:rPr lang="en-GB" dirty="0"/>
+              <a:t>Data gathering vs data generating: experiments (~10mins)</a:t>
+            </a:r>
+          </a:p>
+          <a:p>
+            <a:r>
+              <a:rPr lang="en-GB" dirty="0"/>
+              <a:t>Data gathering vs data generating: real-world sources (~10mins)</a:t>
             </a:r>
           </a:p>
           <a:p>
             <a:endParaRPr lang="en-GB" dirty="0"/>
-          </a:p>
-          <a:p>
-            <a:endParaRPr lang="en-GB" dirty="0"/>
-          </a:p>
-          <a:p>
-            <a:endParaRPr lang="en-GB" dirty="0"/>
-          </a:p>
-          <a:p>
-            <a:r>
-              <a:rPr lang="en-GB" dirty="0"/>
-              <a:t>Climate Change is making things worse</a:t>
-            </a:r>
           </a:p>
         </p:txBody>
       </p:sp>
     </p:spTree>
     <p:extLst>
       <p:ext uri="{BB962C8B-B14F-4D97-AF65-F5344CB8AC3E}">
-        <p14:creationId xmlns:p14="http://schemas.microsoft.com/office/powerpoint/2010/main" val="1116987631"/>
+        <p14:creationId xmlns:p14="http://schemas.microsoft.com/office/powerpoint/2010/main" val="1349485034"/>
       </p:ext>
     </p:extLst>
   </p:cSld>
@@ -3551,7 +4137,7 @@
           <p:cNvPr id="2" name="Title 1">
             <a:extLst>
               <a:ext uri="{FF2B5EF4-FFF2-40B4-BE49-F238E27FC236}">
-                <a16:creationId xmlns:a16="http://schemas.microsoft.com/office/drawing/2014/main" id="{D6406265-661D-4198-A6BC-E2E8B1209305}"/>
+                <a16:creationId xmlns:a16="http://schemas.microsoft.com/office/drawing/2014/main" id="{274F18A2-6F8B-4658-984B-B1C70F016DAB}"/>
               </a:ext>
             </a:extLst>
           </p:cNvPr>
@@ -3569,7 +4155,7 @@
           <a:p>
             <a:r>
               <a:rPr lang="en-GB" dirty="0"/>
-              <a:t>Man made disasters</a:t>
+              <a:t>Natural disasters</a:t>
             </a:r>
           </a:p>
         </p:txBody>
@@ -3579,7 +4165,7 @@
           <p:cNvPr id="3" name="Content Placeholder 2">
             <a:extLst>
               <a:ext uri="{FF2B5EF4-FFF2-40B4-BE49-F238E27FC236}">
-                <a16:creationId xmlns:a16="http://schemas.microsoft.com/office/drawing/2014/main" id="{BAD0B45C-C163-4302-8C3E-5740AECC77BD}"/>
+                <a16:creationId xmlns:a16="http://schemas.microsoft.com/office/drawing/2014/main" id="{A7982056-9D3E-4668-A4B5-E0223423C6D8}"/>
               </a:ext>
             </a:extLst>
           </p:cNvPr>
@@ -3592,39 +4178,45 @@
         </p:nvSpPr>
         <p:spPr/>
         <p:txBody>
-          <a:bodyPr/>
-          <a:lstStyle/>
-          <a:p>
-            <a:r>
-              <a:rPr lang="en-GB" dirty="0"/>
-              <a:t>Terrorist attacks</a:t>
-            </a:r>
-          </a:p>
-          <a:p>
-            <a:r>
-              <a:rPr lang="en-GB" dirty="0"/>
-              <a:t>Traffic disasters</a:t>
-            </a:r>
-          </a:p>
-          <a:p>
-            <a:r>
-              <a:rPr lang="en-GB" dirty="0"/>
-              <a:t>Structural failures</a:t>
+          <a:bodyPr>
+            <a:normAutofit/>
+          </a:bodyPr>
+          <a:lstStyle/>
+          <a:p>
+            <a:r>
+              <a:rPr lang="en-GB" dirty="0"/>
+              <a:t>Floods </a:t>
             </a:r>
           </a:p>
           <a:p>
             <a:endParaRPr lang="en-GB" dirty="0"/>
           </a:p>
           <a:p>
+            <a:r>
+              <a:rPr lang="en-GB" dirty="0"/>
+              <a:t>Fires </a:t>
+            </a:r>
+          </a:p>
+          <a:p>
             <a:endParaRPr lang="en-GB" dirty="0"/>
           </a:p>
           <a:p>
+            <a:r>
+              <a:rPr lang="en-GB" dirty="0"/>
+              <a:t>Hurricanes</a:t>
+            </a:r>
+          </a:p>
+          <a:p>
             <a:endParaRPr lang="en-GB" dirty="0"/>
           </a:p>
           <a:p>
-            <a:r>
-              <a:rPr lang="en-GB" dirty="0"/>
-              <a:t>Urbanisation is making things worse</a:t>
+            <a:endParaRPr lang="en-GB" dirty="0"/>
+          </a:p>
+          <a:p>
+            <a:pPr lvl="1"/>
+            <a:r>
+              <a:rPr lang="en-GB" dirty="0"/>
+              <a:t>Climate Change is making things worse</a:t>
             </a:r>
           </a:p>
         </p:txBody>
@@ -3632,7 +4224,7 @@
     </p:spTree>
     <p:extLst>
       <p:ext uri="{BB962C8B-B14F-4D97-AF65-F5344CB8AC3E}">
-        <p14:creationId xmlns:p14="http://schemas.microsoft.com/office/powerpoint/2010/main" val="3193075942"/>
+        <p14:creationId xmlns:p14="http://schemas.microsoft.com/office/powerpoint/2010/main" val="1116987631"/>
       </p:ext>
     </p:extLst>
   </p:cSld>
@@ -3664,7 +4256,7 @@
           <p:cNvPr id="2" name="Title 1">
             <a:extLst>
               <a:ext uri="{FF2B5EF4-FFF2-40B4-BE49-F238E27FC236}">
-                <a16:creationId xmlns:a16="http://schemas.microsoft.com/office/drawing/2014/main" id="{83AB6ED6-9E2F-4F2B-BD70-D5AAF2ED02EC}"/>
+                <a16:creationId xmlns:a16="http://schemas.microsoft.com/office/drawing/2014/main" id="{D6406265-661D-4198-A6BC-E2E8B1209305}"/>
               </a:ext>
             </a:extLst>
           </p:cNvPr>
@@ -3682,7 +4274,7 @@
           <a:p>
             <a:r>
               <a:rPr lang="en-GB" dirty="0"/>
-              <a:t>What would you do?</a:t>
+              <a:t>Man made disasters</a:t>
             </a:r>
           </a:p>
         </p:txBody>
@@ -3692,7 +4284,7 @@
           <p:cNvPr id="3" name="Content Placeholder 2">
             <a:extLst>
               <a:ext uri="{FF2B5EF4-FFF2-40B4-BE49-F238E27FC236}">
-                <a16:creationId xmlns:a16="http://schemas.microsoft.com/office/drawing/2014/main" id="{6EFEA03C-042C-4531-8E5F-7A4643335EC5}"/>
+                <a16:creationId xmlns:a16="http://schemas.microsoft.com/office/drawing/2014/main" id="{BAD0B45C-C163-4302-8C3E-5740AECC77BD}"/>
               </a:ext>
             </a:extLst>
           </p:cNvPr>
@@ -3705,12 +4297,14 @@
         </p:nvSpPr>
         <p:spPr/>
         <p:txBody>
-          <a:bodyPr/>
-          <a:lstStyle/>
-          <a:p>
-            <a:r>
-              <a:rPr lang="en-GB" dirty="0"/>
-              <a:t>You are on the third floor, and you see a tsunami coming.</a:t>
+          <a:bodyPr>
+            <a:normAutofit lnSpcReduction="10000"/>
+          </a:bodyPr>
+          <a:lstStyle/>
+          <a:p>
+            <a:r>
+              <a:rPr lang="en-GB" dirty="0"/>
+              <a:t>Terrorist attacks</a:t>
             </a:r>
           </a:p>
           <a:p>
@@ -3719,7 +4313,7 @@
           <a:p>
             <a:r>
               <a:rPr lang="en-GB" dirty="0"/>
-              <a:t>You are on the fifth floor, and the ground floor is on fire.</a:t>
+              <a:t>Traffic disasters</a:t>
             </a:r>
           </a:p>
           <a:p>
@@ -3728,27 +4322,31 @@
           <a:p>
             <a:r>
               <a:rPr lang="en-GB" dirty="0"/>
-              <a:t>You are on the ground floor, and you see people running from the staircase.</a:t>
+              <a:t>Structural failures</a:t>
             </a:r>
           </a:p>
           <a:p>
             <a:endParaRPr lang="en-GB" dirty="0"/>
           </a:p>
           <a:p>
-            <a:r>
-              <a:rPr lang="en-GB" dirty="0"/>
-              <a:t>What does everyone else do?</a:t>
-            </a:r>
-          </a:p>
-          <a:p>
             <a:endParaRPr lang="en-GB" dirty="0"/>
+          </a:p>
+          <a:p>
+            <a:endParaRPr lang="en-GB" dirty="0"/>
+          </a:p>
+          <a:p>
+            <a:pPr lvl="1"/>
+            <a:r>
+              <a:rPr lang="en-GB" dirty="0"/>
+              <a:t>Urbanisation is making things worse</a:t>
+            </a:r>
           </a:p>
         </p:txBody>
       </p:sp>
     </p:spTree>
     <p:extLst>
       <p:ext uri="{BB962C8B-B14F-4D97-AF65-F5344CB8AC3E}">
-        <p14:creationId xmlns:p14="http://schemas.microsoft.com/office/powerpoint/2010/main" val="526862852"/>
+        <p14:creationId xmlns:p14="http://schemas.microsoft.com/office/powerpoint/2010/main" val="3193075942"/>
       </p:ext>
     </p:extLst>
   </p:cSld>
@@ -3780,7 +4378,7 @@
           <p:cNvPr id="2" name="Title 1">
             <a:extLst>
               <a:ext uri="{FF2B5EF4-FFF2-40B4-BE49-F238E27FC236}">
-                <a16:creationId xmlns:a16="http://schemas.microsoft.com/office/drawing/2014/main" id="{3BF9855A-5146-4041-8162-6C2D5E1B5BFA}"/>
+                <a16:creationId xmlns:a16="http://schemas.microsoft.com/office/drawing/2014/main" id="{83AB6ED6-9E2F-4F2B-BD70-D5AAF2ED02EC}"/>
               </a:ext>
             </a:extLst>
           </p:cNvPr>
@@ -3798,7 +4396,7 @@
           <a:p>
             <a:r>
               <a:rPr lang="en-GB" dirty="0"/>
-              <a:t>Modelling: Micro scale</a:t>
+              <a:t>What would you do?</a:t>
             </a:r>
           </a:p>
         </p:txBody>
@@ -3808,7 +4406,7 @@
           <p:cNvPr id="3" name="Content Placeholder 2">
             <a:extLst>
               <a:ext uri="{FF2B5EF4-FFF2-40B4-BE49-F238E27FC236}">
-                <a16:creationId xmlns:a16="http://schemas.microsoft.com/office/drawing/2014/main" id="{02C1708B-2F95-4769-B318-31FB4777CD1F}"/>
+                <a16:creationId xmlns:a16="http://schemas.microsoft.com/office/drawing/2014/main" id="{6EFEA03C-042C-4531-8E5F-7A4643335EC5}"/>
               </a:ext>
             </a:extLst>
           </p:cNvPr>
@@ -3819,34 +4417,33 @@
             <p:ph idx="1"/>
           </p:nvPr>
         </p:nvSpPr>
-        <p:spPr/>
-        <p:txBody>
-          <a:bodyPr/>
-          <a:lstStyle/>
-          <a:p>
-            <a:r>
-              <a:rPr lang="en-GB" dirty="0"/>
-              <a:t>These types of decisions, coupled with the data from last lecture (movement speed, density relationships), allow us to model what happens in individual buildings.</a:t>
-            </a:r>
-          </a:p>
-          <a:p>
-            <a:r>
-              <a:rPr lang="en-GB" dirty="0"/>
-              <a:t>We can see how safe each design is, based on specified metrics.</a:t>
-            </a:r>
-          </a:p>
-          <a:p>
-            <a:r>
-              <a:rPr lang="en-GB" dirty="0"/>
-              <a:t>We can then predict how each group of people will move through buildings, and the time taken to do that.</a:t>
-            </a:r>
+        <p:spPr>
+          <a:xfrm>
+            <a:off x="838200" y="1825625"/>
+            <a:ext cx="10515600" cy="4351338"/>
+          </a:xfrm>
+        </p:spPr>
+        <p:txBody>
+          <a:bodyPr/>
+          <a:lstStyle/>
+          <a:p>
+            <a:r>
+              <a:rPr lang="en-GB" dirty="0"/>
+              <a:t>You are on the third floor, and you are given a 5 minute tsunami warning.</a:t>
+            </a:r>
+          </a:p>
+          <a:p>
+            <a:pPr marL="0" indent="0">
+              <a:buNone/>
+            </a:pPr>
+            <a:endParaRPr lang="en-GB" dirty="0"/>
           </a:p>
         </p:txBody>
       </p:sp>
     </p:spTree>
     <p:extLst>
       <p:ext uri="{BB962C8B-B14F-4D97-AF65-F5344CB8AC3E}">
-        <p14:creationId xmlns:p14="http://schemas.microsoft.com/office/powerpoint/2010/main" val="246217811"/>
+        <p14:creationId xmlns:p14="http://schemas.microsoft.com/office/powerpoint/2010/main" val="526862852"/>
       </p:ext>
     </p:extLst>
   </p:cSld>
@@ -3878,7 +4475,7 @@
           <p:cNvPr id="2" name="Title 1">
             <a:extLst>
               <a:ext uri="{FF2B5EF4-FFF2-40B4-BE49-F238E27FC236}">
-                <a16:creationId xmlns:a16="http://schemas.microsoft.com/office/drawing/2014/main" id="{0CBFE05B-8803-47AB-8450-DACB7E403BEC}"/>
+                <a16:creationId xmlns:a16="http://schemas.microsoft.com/office/drawing/2014/main" id="{83AB6ED6-9E2F-4F2B-BD70-D5AAF2ED02EC}"/>
               </a:ext>
             </a:extLst>
           </p:cNvPr>
@@ -3896,7 +4493,7 @@
           <a:p>
             <a:r>
               <a:rPr lang="en-GB" dirty="0"/>
-              <a:t>Modelling: Macro scale</a:t>
+              <a:t>What would you do?</a:t>
             </a:r>
           </a:p>
         </p:txBody>
@@ -3906,7 +4503,7 @@
           <p:cNvPr id="3" name="Content Placeholder 2">
             <a:extLst>
               <a:ext uri="{FF2B5EF4-FFF2-40B4-BE49-F238E27FC236}">
-                <a16:creationId xmlns:a16="http://schemas.microsoft.com/office/drawing/2014/main" id="{5900EC85-1450-4E98-B708-9A896C832A20}"/>
+                <a16:creationId xmlns:a16="http://schemas.microsoft.com/office/drawing/2014/main" id="{6EFEA03C-042C-4531-8E5F-7A4643335EC5}"/>
               </a:ext>
             </a:extLst>
           </p:cNvPr>
@@ -3924,7 +4521,28 @@
           <a:p>
             <a:r>
               <a:rPr lang="en-GB" dirty="0"/>
-              <a:t>How do you use pedestrian dynamics approaches to improve the responses to large scale emergencies?</a:t>
+              <a:t>You are on the third floor, and you are given a 5 minute tsunami warning.</a:t>
+            </a:r>
+          </a:p>
+          <a:p>
+            <a:pPr lvl="1"/>
+            <a:r>
+              <a:rPr lang="en-GB" dirty="0"/>
+              <a:t>Try to evacuate?</a:t>
+            </a:r>
+          </a:p>
+          <a:p>
+            <a:pPr lvl="1"/>
+            <a:r>
+              <a:rPr lang="en-GB" dirty="0"/>
+              <a:t>Try to move up the building?</a:t>
+            </a:r>
+          </a:p>
+          <a:p>
+            <a:pPr lvl="1"/>
+            <a:r>
+              <a:rPr lang="en-GB" dirty="0"/>
+              <a:t>Stay put?</a:t>
             </a:r>
           </a:p>
           <a:p>
@@ -3935,7 +4553,298 @@
     </p:spTree>
     <p:extLst>
       <p:ext uri="{BB962C8B-B14F-4D97-AF65-F5344CB8AC3E}">
-        <p14:creationId xmlns:p14="http://schemas.microsoft.com/office/powerpoint/2010/main" val="2543760675"/>
+        <p14:creationId xmlns:p14="http://schemas.microsoft.com/office/powerpoint/2010/main" val="909685454"/>
+      </p:ext>
+    </p:extLst>
+  </p:cSld>
+  <p:clrMapOvr>
+    <a:masterClrMapping/>
+  </p:clrMapOvr>
+</p:sld>
+</file>
+
+<file path=ppt/slides/slide7.xml><?xml version="1.0" encoding="utf-8"?>
+<p:sld xmlns:a="http://schemas.openxmlformats.org/drawingml/2006/main" xmlns:r="http://schemas.openxmlformats.org/officeDocument/2006/relationships" xmlns:p="http://schemas.openxmlformats.org/presentationml/2006/main">
+  <p:cSld>
+    <p:spTree>
+      <p:nvGrpSpPr>
+        <p:cNvPr id="1" name=""/>
+        <p:cNvGrpSpPr/>
+        <p:nvPr/>
+      </p:nvGrpSpPr>
+      <p:grpSpPr>
+        <a:xfrm>
+          <a:off x="0" y="0"/>
+          <a:ext cx="0" cy="0"/>
+          <a:chOff x="0" y="0"/>
+          <a:chExt cx="0" cy="0"/>
+        </a:xfrm>
+      </p:grpSpPr>
+      <p:sp>
+        <p:nvSpPr>
+          <p:cNvPr id="2" name="Title 1">
+            <a:extLst>
+              <a:ext uri="{FF2B5EF4-FFF2-40B4-BE49-F238E27FC236}">
+                <a16:creationId xmlns:a16="http://schemas.microsoft.com/office/drawing/2014/main" id="{83AB6ED6-9E2F-4F2B-BD70-D5AAF2ED02EC}"/>
+              </a:ext>
+            </a:extLst>
+          </p:cNvPr>
+          <p:cNvSpPr>
+            <a:spLocks noGrp="1"/>
+          </p:cNvSpPr>
+          <p:nvPr>
+            <p:ph type="title"/>
+          </p:nvPr>
+        </p:nvSpPr>
+        <p:spPr/>
+        <p:txBody>
+          <a:bodyPr/>
+          <a:lstStyle/>
+          <a:p>
+            <a:r>
+              <a:rPr lang="en-GB" dirty="0"/>
+              <a:t>What would you do?</a:t>
+            </a:r>
+          </a:p>
+        </p:txBody>
+      </p:sp>
+      <p:sp>
+        <p:nvSpPr>
+          <p:cNvPr id="3" name="Content Placeholder 2">
+            <a:extLst>
+              <a:ext uri="{FF2B5EF4-FFF2-40B4-BE49-F238E27FC236}">
+                <a16:creationId xmlns:a16="http://schemas.microsoft.com/office/drawing/2014/main" id="{6EFEA03C-042C-4531-8E5F-7A4643335EC5}"/>
+              </a:ext>
+            </a:extLst>
+          </p:cNvPr>
+          <p:cNvSpPr>
+            <a:spLocks noGrp="1"/>
+          </p:cNvSpPr>
+          <p:nvPr>
+            <p:ph idx="1"/>
+          </p:nvPr>
+        </p:nvSpPr>
+        <p:spPr/>
+        <p:txBody>
+          <a:bodyPr/>
+          <a:lstStyle/>
+          <a:p>
+            <a:r>
+              <a:rPr lang="en-GB" dirty="0"/>
+              <a:t>You are on the fifth floor, and the ground floor is on fire.</a:t>
+            </a:r>
+          </a:p>
+          <a:p>
+            <a:endParaRPr lang="en-GB" dirty="0"/>
+          </a:p>
+        </p:txBody>
+      </p:sp>
+    </p:spTree>
+    <p:extLst>
+      <p:ext uri="{BB962C8B-B14F-4D97-AF65-F5344CB8AC3E}">
+        <p14:creationId xmlns:p14="http://schemas.microsoft.com/office/powerpoint/2010/main" val="443260557"/>
+      </p:ext>
+    </p:extLst>
+  </p:cSld>
+  <p:clrMapOvr>
+    <a:masterClrMapping/>
+  </p:clrMapOvr>
+</p:sld>
+</file>
+
+<file path=ppt/slides/slide8.xml><?xml version="1.0" encoding="utf-8"?>
+<p:sld xmlns:a="http://schemas.openxmlformats.org/drawingml/2006/main" xmlns:r="http://schemas.openxmlformats.org/officeDocument/2006/relationships" xmlns:p="http://schemas.openxmlformats.org/presentationml/2006/main">
+  <p:cSld>
+    <p:spTree>
+      <p:nvGrpSpPr>
+        <p:cNvPr id="1" name=""/>
+        <p:cNvGrpSpPr/>
+        <p:nvPr/>
+      </p:nvGrpSpPr>
+      <p:grpSpPr>
+        <a:xfrm>
+          <a:off x="0" y="0"/>
+          <a:ext cx="0" cy="0"/>
+          <a:chOff x="0" y="0"/>
+          <a:chExt cx="0" cy="0"/>
+        </a:xfrm>
+      </p:grpSpPr>
+      <p:sp>
+        <p:nvSpPr>
+          <p:cNvPr id="2" name="Title 1">
+            <a:extLst>
+              <a:ext uri="{FF2B5EF4-FFF2-40B4-BE49-F238E27FC236}">
+                <a16:creationId xmlns:a16="http://schemas.microsoft.com/office/drawing/2014/main" id="{83AB6ED6-9E2F-4F2B-BD70-D5AAF2ED02EC}"/>
+              </a:ext>
+            </a:extLst>
+          </p:cNvPr>
+          <p:cNvSpPr>
+            <a:spLocks noGrp="1"/>
+          </p:cNvSpPr>
+          <p:nvPr>
+            <p:ph type="title"/>
+          </p:nvPr>
+        </p:nvSpPr>
+        <p:spPr/>
+        <p:txBody>
+          <a:bodyPr/>
+          <a:lstStyle/>
+          <a:p>
+            <a:r>
+              <a:rPr lang="en-GB" dirty="0"/>
+              <a:t>What would you do?</a:t>
+            </a:r>
+          </a:p>
+        </p:txBody>
+      </p:sp>
+      <p:sp>
+        <p:nvSpPr>
+          <p:cNvPr id="3" name="Content Placeholder 2">
+            <a:extLst>
+              <a:ext uri="{FF2B5EF4-FFF2-40B4-BE49-F238E27FC236}">
+                <a16:creationId xmlns:a16="http://schemas.microsoft.com/office/drawing/2014/main" id="{6EFEA03C-042C-4531-8E5F-7A4643335EC5}"/>
+              </a:ext>
+            </a:extLst>
+          </p:cNvPr>
+          <p:cNvSpPr>
+            <a:spLocks noGrp="1"/>
+          </p:cNvSpPr>
+          <p:nvPr>
+            <p:ph idx="1"/>
+          </p:nvPr>
+        </p:nvSpPr>
+        <p:spPr/>
+        <p:txBody>
+          <a:bodyPr/>
+          <a:lstStyle/>
+          <a:p>
+            <a:r>
+              <a:rPr lang="en-GB" dirty="0"/>
+              <a:t>You are on the fifth floor, and the ground floor is on fire.</a:t>
+            </a:r>
+          </a:p>
+          <a:p>
+            <a:pPr lvl="1"/>
+            <a:r>
+              <a:rPr lang="en-GB" dirty="0"/>
+              <a:t>Try to evacuate?</a:t>
+            </a:r>
+          </a:p>
+          <a:p>
+            <a:pPr lvl="1"/>
+            <a:r>
+              <a:rPr lang="en-GB" dirty="0"/>
+              <a:t>Try to move up the building?</a:t>
+            </a:r>
+          </a:p>
+          <a:p>
+            <a:pPr lvl="1"/>
+            <a:r>
+              <a:rPr lang="en-GB" dirty="0"/>
+              <a:t>Stay put?</a:t>
+            </a:r>
+          </a:p>
+          <a:p>
+            <a:endParaRPr lang="en-GB" dirty="0"/>
+          </a:p>
+        </p:txBody>
+      </p:sp>
+    </p:spTree>
+    <p:extLst>
+      <p:ext uri="{BB962C8B-B14F-4D97-AF65-F5344CB8AC3E}">
+        <p14:creationId xmlns:p14="http://schemas.microsoft.com/office/powerpoint/2010/main" val="1353446262"/>
+      </p:ext>
+    </p:extLst>
+  </p:cSld>
+  <p:clrMapOvr>
+    <a:masterClrMapping/>
+  </p:clrMapOvr>
+</p:sld>
+</file>
+
+<file path=ppt/slides/slide9.xml><?xml version="1.0" encoding="utf-8"?>
+<p:sld xmlns:a="http://schemas.openxmlformats.org/drawingml/2006/main" xmlns:r="http://schemas.openxmlformats.org/officeDocument/2006/relationships" xmlns:p="http://schemas.openxmlformats.org/presentationml/2006/main">
+  <p:cSld>
+    <p:spTree>
+      <p:nvGrpSpPr>
+        <p:cNvPr id="1" name=""/>
+        <p:cNvGrpSpPr/>
+        <p:nvPr/>
+      </p:nvGrpSpPr>
+      <p:grpSpPr>
+        <a:xfrm>
+          <a:off x="0" y="0"/>
+          <a:ext cx="0" cy="0"/>
+          <a:chOff x="0" y="0"/>
+          <a:chExt cx="0" cy="0"/>
+        </a:xfrm>
+      </p:grpSpPr>
+      <p:sp>
+        <p:nvSpPr>
+          <p:cNvPr id="2" name="Title 1">
+            <a:extLst>
+              <a:ext uri="{FF2B5EF4-FFF2-40B4-BE49-F238E27FC236}">
+                <a16:creationId xmlns:a16="http://schemas.microsoft.com/office/drawing/2014/main" id="{83AB6ED6-9E2F-4F2B-BD70-D5AAF2ED02EC}"/>
+              </a:ext>
+            </a:extLst>
+          </p:cNvPr>
+          <p:cNvSpPr>
+            <a:spLocks noGrp="1"/>
+          </p:cNvSpPr>
+          <p:nvPr>
+            <p:ph type="title"/>
+          </p:nvPr>
+        </p:nvSpPr>
+        <p:spPr/>
+        <p:txBody>
+          <a:bodyPr/>
+          <a:lstStyle/>
+          <a:p>
+            <a:r>
+              <a:rPr lang="en-GB" dirty="0"/>
+              <a:t>What would you do?</a:t>
+            </a:r>
+          </a:p>
+        </p:txBody>
+      </p:sp>
+      <p:sp>
+        <p:nvSpPr>
+          <p:cNvPr id="3" name="Content Placeholder 2">
+            <a:extLst>
+              <a:ext uri="{FF2B5EF4-FFF2-40B4-BE49-F238E27FC236}">
+                <a16:creationId xmlns:a16="http://schemas.microsoft.com/office/drawing/2014/main" id="{6EFEA03C-042C-4531-8E5F-7A4643335EC5}"/>
+              </a:ext>
+            </a:extLst>
+          </p:cNvPr>
+          <p:cNvSpPr>
+            <a:spLocks noGrp="1"/>
+          </p:cNvSpPr>
+          <p:nvPr>
+            <p:ph idx="1"/>
+          </p:nvPr>
+        </p:nvSpPr>
+        <p:spPr/>
+        <p:txBody>
+          <a:bodyPr/>
+          <a:lstStyle/>
+          <a:p>
+            <a:r>
+              <a:rPr lang="en-GB" dirty="0"/>
+              <a:t>You are on the ground floor, and you see people running from the staircase.</a:t>
+            </a:r>
+          </a:p>
+          <a:p>
+            <a:endParaRPr lang="en-GB" dirty="0"/>
+          </a:p>
+          <a:p>
+            <a:endParaRPr lang="en-GB" dirty="0"/>
+          </a:p>
+        </p:txBody>
+      </p:sp>
+    </p:spTree>
+    <p:extLst>
+      <p:ext uri="{BB962C8B-B14F-4D97-AF65-F5344CB8AC3E}">
+        <p14:creationId xmlns:p14="http://schemas.microsoft.com/office/powerpoint/2010/main" val="1819318438"/>
       </p:ext>
     </p:extLst>
   </p:cSld>
